--- a/Ocean/DataFlow/Agent Portal Architecture.pptx
+++ b/Ocean/DataFlow/Agent Portal Architecture.pptx
@@ -5193,6 +5193,70 @@
           <a:chExt cx="0" cy="0"/>
         </a:xfrm>
       </p:grpSpPr>
+      <p:sp>
+        <p:nvSpPr>
+          <p:cNvPr id="118" name="Google Shape;55;p13">
+            <a:extLst>
+              <a:ext uri="{FF2B5EF4-FFF2-40B4-BE49-F238E27FC236}">
+                <a16:creationId xmlns:a16="http://schemas.microsoft.com/office/drawing/2014/main" id="{C965E710-C24B-428F-9235-756DCAE2B78F}"/>
+              </a:ext>
+            </a:extLst>
+          </p:cNvPr>
+          <p:cNvSpPr/>
+          <p:nvPr/>
+        </p:nvSpPr>
+        <p:spPr>
+          <a:xfrm>
+            <a:off x="6587202" y="1956270"/>
+            <a:ext cx="615000" cy="333300"/>
+          </a:xfrm>
+          <a:prstGeom prst="rect">
+            <a:avLst/>
+          </a:prstGeom>
+          <a:solidFill>
+            <a:srgbClr val="FFFFFF"/>
+          </a:solidFill>
+          <a:ln w="9525" cap="flat" cmpd="sng">
+            <a:solidFill>
+              <a:srgbClr val="000000"/>
+            </a:solidFill>
+            <a:prstDash val="solid"/>
+            <a:round/>
+            <a:headEnd type="none" w="sm" len="sm"/>
+            <a:tailEnd type="none" w="sm" len="sm"/>
+          </a:ln>
+        </p:spPr>
+        <p:txBody>
+          <a:bodyPr spcFirstLastPara="1" wrap="square" lIns="91425" tIns="91425" rIns="91425" bIns="91425" anchor="ctr" anchorCtr="0">
+            <a:noAutofit/>
+          </a:bodyPr>
+          <a:lstStyle/>
+          <a:p>
+            <a:pPr marL="0" lvl="0" indent="0" algn="ctr" rtl="0">
+              <a:spcBef>
+                <a:spcPts val="0"/>
+              </a:spcBef>
+              <a:spcAft>
+                <a:spcPts val="0"/>
+              </a:spcAft>
+              <a:buNone/>
+            </a:pPr>
+            <a:r>
+              <a:rPr lang="en-US" sz="1000" dirty="0" err="1"/>
+              <a:t>Dw</a:t>
+            </a:r>
+            <a:r>
+              <a:rPr lang="en-US" sz="1000" dirty="0"/>
+              <a:t> </a:t>
+            </a:r>
+            <a:r>
+              <a:rPr lang="en-US" sz="1000" dirty="0" err="1"/>
+              <a:t>Consol</a:t>
+            </a:r>
+            <a:endParaRPr sz="1000" dirty="0"/>
+          </a:p>
+        </p:txBody>
+      </p:sp>
       <p:cxnSp>
         <p:nvCxnSpPr>
           <p:cNvPr id="54" name="Google Shape;54;p13"/>
@@ -7794,39 +7858,7 @@
                   <a:schemeClr val="lt1"/>
                 </a:highlight>
               </a:rPr>
-              <a:t>- </a:t>
-            </a:r>
-            <a:r>
-              <a:rPr lang="en" sz="800" dirty="0" err="1">
-                <a:highlight>
-                  <a:schemeClr val="lt1"/>
-                </a:highlight>
-              </a:rPr>
-              <a:t>ILI_rider_master</a:t>
-            </a:r>
-            <a:endParaRPr lang="en" sz="800" dirty="0">
-              <a:highlight>
-                <a:schemeClr val="lt1"/>
-              </a:highlight>
-            </a:endParaRPr>
-          </a:p>
-          <a:p>
-            <a:pPr lvl="0"/>
-            <a:r>
-              <a:rPr lang="en" sz="800" dirty="0">
-                <a:highlight>
-                  <a:schemeClr val="lt1"/>
-                </a:highlight>
-              </a:rPr>
-              <a:t>- </a:t>
-            </a:r>
-            <a:r>
-              <a:rPr lang="en" sz="800" dirty="0" err="1">
-                <a:highlight>
-                  <a:schemeClr val="lt1"/>
-                </a:highlight>
-              </a:rPr>
-              <a:t>ILI_product_master</a:t>
+              <a:t>- ILI_product_master</a:t>
             </a:r>
             <a:endParaRPr lang="th-TH" sz="800" dirty="0">
               <a:highlight>
@@ -7938,18 +7970,21 @@
         <p:nvCxnSpPr>
           <p:cNvPr id="115" name="Google Shape;115;p13"/>
           <p:cNvCxnSpPr>
-            <a:stCxn id="55" idx="2"/>
+            <a:cxnSpLocks/>
+            <a:stCxn id="55" idx="1"/>
             <a:endCxn id="64" idx="3"/>
           </p:cNvCxnSpPr>
           <p:nvPr/>
         </p:nvCxnSpPr>
         <p:spPr>
-          <a:xfrm rot="5400000">
-            <a:off x="5891737" y="2240119"/>
-            <a:ext cx="637566" cy="1626816"/>
-          </a:xfrm>
-          <a:prstGeom prst="curvedConnector2">
-            <a:avLst/>
+          <a:xfrm rot="10800000" flipV="1">
+            <a:off x="5397112" y="2568094"/>
+            <a:ext cx="1319316" cy="804216"/>
+          </a:xfrm>
+          <a:prstGeom prst="curvedConnector3">
+            <a:avLst>
+              <a:gd name="adj1" fmla="val 50000"/>
+            </a:avLst>
           </a:prstGeom>
           <a:noFill/>
           <a:ln w="9525" cap="flat" cmpd="sng">
@@ -8607,7 +8642,7 @@
         </p:nvSpPr>
         <p:spPr>
           <a:xfrm>
-            <a:off x="6317724" y="2238073"/>
+            <a:off x="6296826" y="1883747"/>
             <a:ext cx="1160094" cy="936664"/>
           </a:xfrm>
           <a:prstGeom prst="roundRect">
@@ -8718,8 +8753,8 @@
         </p:nvSpPr>
         <p:spPr>
           <a:xfrm>
-            <a:off x="7455324" y="685311"/>
-            <a:ext cx="1679944" cy="1669003"/>
+            <a:off x="7508598" y="617754"/>
+            <a:ext cx="1595852" cy="1669003"/>
           </a:xfrm>
           <a:prstGeom prst="roundRect">
             <a:avLst/>
@@ -8802,6 +8837,120 @@
           </a:ln>
         </p:spPr>
       </p:cxnSp>
+      <p:cxnSp>
+        <p:nvCxnSpPr>
+          <p:cNvPr id="119" name="Google Shape;115;p13">
+            <a:extLst>
+              <a:ext uri="{FF2B5EF4-FFF2-40B4-BE49-F238E27FC236}">
+                <a16:creationId xmlns:a16="http://schemas.microsoft.com/office/drawing/2014/main" id="{65A67FA3-E49B-422F-9FB9-73E308A5E8F4}"/>
+              </a:ext>
+            </a:extLst>
+          </p:cNvPr>
+          <p:cNvCxnSpPr>
+            <a:cxnSpLocks/>
+            <a:stCxn id="118" idx="0"/>
+            <a:endCxn id="106" idx="0"/>
+          </p:cNvCxnSpPr>
+          <p:nvPr/>
+        </p:nvCxnSpPr>
+        <p:spPr>
+          <a:xfrm rot="16200000" flipV="1">
+            <a:off x="5619729" y="681297"/>
+            <a:ext cx="603319" cy="1946628"/>
+          </a:xfrm>
+          <a:prstGeom prst="curvedConnector3">
+            <a:avLst>
+              <a:gd name="adj1" fmla="val 144205"/>
+            </a:avLst>
+          </a:prstGeom>
+          <a:noFill/>
+          <a:ln w="9525" cap="flat" cmpd="sng">
+            <a:solidFill>
+              <a:schemeClr val="dk2"/>
+            </a:solidFill>
+            <a:prstDash val="solid"/>
+            <a:round/>
+            <a:headEnd type="none" w="med" len="med"/>
+            <a:tailEnd type="stealth" w="med" len="med"/>
+          </a:ln>
+        </p:spPr>
+      </p:cxnSp>
+      <p:sp>
+        <p:nvSpPr>
+          <p:cNvPr id="120" name="Google Shape;111;p13">
+            <a:extLst>
+              <a:ext uri="{FF2B5EF4-FFF2-40B4-BE49-F238E27FC236}">
+                <a16:creationId xmlns:a16="http://schemas.microsoft.com/office/drawing/2014/main" id="{14024E2C-A978-4297-8EAB-E10F6A784C4E}"/>
+              </a:ext>
+            </a:extLst>
+          </p:cNvPr>
+          <p:cNvSpPr txBox="1"/>
+          <p:nvPr/>
+        </p:nvSpPr>
+        <p:spPr>
+          <a:xfrm>
+            <a:off x="5506295" y="949428"/>
+            <a:ext cx="1062059" cy="373490"/>
+          </a:xfrm>
+          <a:prstGeom prst="rect">
+            <a:avLst/>
+          </a:prstGeom>
+          <a:noFill/>
+          <a:ln>
+            <a:noFill/>
+          </a:ln>
+        </p:spPr>
+        <p:txBody>
+          <a:bodyPr spcFirstLastPara="1" wrap="square" lIns="90000" tIns="91425" rIns="91425" bIns="91425" anchor="ctr" anchorCtr="0">
+            <a:noAutofit/>
+          </a:bodyPr>
+          <a:lstStyle/>
+          <a:p>
+            <a:pPr lvl="0"/>
+            <a:r>
+              <a:rPr lang="en-US" sz="800" dirty="0">
+                <a:highlight>
+                  <a:schemeClr val="lt1"/>
+                </a:highlight>
+              </a:rPr>
+              <a:t>import</a:t>
+            </a:r>
+            <a:endParaRPr lang="en" sz="800" dirty="0">
+              <a:highlight>
+                <a:schemeClr val="lt1"/>
+              </a:highlight>
+            </a:endParaRPr>
+          </a:p>
+          <a:p>
+            <a:pPr lvl="0"/>
+            <a:r>
+              <a:rPr lang="en" sz="800" dirty="0">
+                <a:highlight>
+                  <a:schemeClr val="lt1"/>
+                </a:highlight>
+              </a:rPr>
+              <a:t>- ILI_rider_master</a:t>
+            </a:r>
+          </a:p>
+          <a:p>
+            <a:pPr marL="171450" lvl="0" indent="-171450" algn="l" rtl="0">
+              <a:spcBef>
+                <a:spcPts val="0"/>
+              </a:spcBef>
+              <a:spcAft>
+                <a:spcPts val="0"/>
+              </a:spcAft>
+              <a:buFontTx/>
+              <a:buChar char="-"/>
+            </a:pPr>
+            <a:endParaRPr sz="800" dirty="0">
+              <a:highlight>
+                <a:schemeClr val="lt1"/>
+              </a:highlight>
+            </a:endParaRPr>
+          </a:p>
+        </p:txBody>
+      </p:sp>
     </p:spTree>
     <p:extLst>
       <p:ext uri="{BB962C8B-B14F-4D97-AF65-F5344CB8AC3E}">
